--- a/High School/Design and Drawing for Production/Unit 2 - Title Block/Section 1 - Title Block Design/Assets/Unit 2 - Section 1 - Title Block Design.pptx
+++ b/High School/Design and Drawing for Production/Unit 2 - Title Block/Section 1 - Title Block Design/Assets/Unit 2 - Section 1 - Title Block Design.pptx
@@ -217,7 +217,7 @@
           <a:p>
             <a:fld id="{6AC4FB8F-ED15-48AB-97BD-17129D4E699D}" type="datetimeFigureOut">
               <a:rPr lang="en-US" smtClean="0"/>
-              <a:t>9/13/2018</a:t>
+              <a:t>9/17/2018</a:t>
             </a:fld>
             <a:endParaRPr lang="en-US" dirty="0"/>
           </a:p>
@@ -382,7 +382,7 @@
           <a:p>
             <a:fld id="{BBC9D437-CD83-4825-AD0D-5E7B341BC79B}" type="datetimeFigureOut">
               <a:rPr lang="en-US" smtClean="0"/>
-              <a:t>9/13/2018</a:t>
+              <a:t>9/17/2018</a:t>
             </a:fld>
             <a:endParaRPr lang="en-US" dirty="0"/>
           </a:p>
@@ -808,7 +808,7 @@
           <a:p>
             <a:fld id="{85AB7CBB-843F-464A-A764-71D6ADC27CFA}" type="datetime1">
               <a:rPr lang="en-US" smtClean="0"/>
-              <a:t>9/13/2018</a:t>
+              <a:t>9/17/2018</a:t>
             </a:fld>
             <a:endParaRPr lang="en-US" dirty="0"/>
           </a:p>
@@ -993,7 +993,7 @@
           <a:p>
             <a:fld id="{CBEFC03D-3A1F-4813-9337-02411FCC3A9A}" type="datetime1">
               <a:rPr lang="en-US" smtClean="0"/>
-              <a:t>9/13/2018</a:t>
+              <a:t>9/17/2018</a:t>
             </a:fld>
             <a:endParaRPr lang="en-US" dirty="0"/>
           </a:p>
@@ -1191,7 +1191,7 @@
           <a:p>
             <a:fld id="{3D638F79-DFA0-4C26-9553-23A017B69AB6}" type="datetime1">
               <a:rPr lang="en-US" smtClean="0"/>
-              <a:t>9/13/2018</a:t>
+              <a:t>9/17/2018</a:t>
             </a:fld>
             <a:endParaRPr lang="en-US" dirty="0"/>
           </a:p>
@@ -1385,7 +1385,7 @@
           <a:p>
             <a:fld id="{A70B34E7-E1D9-4FBF-A1A0-4009669A00BF}" type="datetime1">
               <a:rPr lang="en-US" smtClean="0"/>
-              <a:t>9/13/2018</a:t>
+              <a:t>9/17/2018</a:t>
             </a:fld>
             <a:endParaRPr lang="en-US" dirty="0"/>
           </a:p>
@@ -1874,7 +1874,7 @@
           <a:p>
             <a:fld id="{7579E8B6-2F47-420B-83EA-EB2285D13EC9}" type="datetime1">
               <a:rPr lang="en-US" smtClean="0"/>
-              <a:t>9/13/2018</a:t>
+              <a:t>9/17/2018</a:t>
             </a:fld>
             <a:endParaRPr lang="en-US" dirty="0"/>
           </a:p>
@@ -2312,7 +2312,7 @@
           <a:p>
             <a:fld id="{2304803D-B10E-4B90-8456-A0E05393E233}" type="datetime1">
               <a:rPr lang="en-US" smtClean="0"/>
-              <a:t>9/13/2018</a:t>
+              <a:t>9/17/2018</a:t>
             </a:fld>
             <a:endParaRPr lang="en-US" dirty="0"/>
           </a:p>
@@ -2445,7 +2445,7 @@
           <a:p>
             <a:fld id="{CCE1E62F-6CCE-4064-96C2-2084AF883904}" type="datetime1">
               <a:rPr lang="en-US" smtClean="0"/>
-              <a:t>9/13/2018</a:t>
+              <a:t>9/17/2018</a:t>
             </a:fld>
             <a:endParaRPr lang="en-US" dirty="0"/>
           </a:p>
@@ -2555,7 +2555,7 @@
           <a:p>
             <a:fld id="{AA615CA6-EC4D-4728-8AA6-534BE7E9B67C}" type="datetime1">
               <a:rPr lang="en-US" smtClean="0"/>
-              <a:t>9/13/2018</a:t>
+              <a:t>9/17/2018</a:t>
             </a:fld>
             <a:endParaRPr lang="en-US" dirty="0"/>
           </a:p>
@@ -2869,7 +2869,7 @@
           <a:p>
             <a:fld id="{A6139942-0A2E-443A-842F-D6DE74360370}" type="datetime1">
               <a:rPr lang="en-US" smtClean="0"/>
-              <a:t>9/13/2018</a:t>
+              <a:t>9/17/2018</a:t>
             </a:fld>
             <a:endParaRPr lang="en-US" dirty="0"/>
           </a:p>
@@ -3386,7 +3386,7 @@
           <a:p>
             <a:fld id="{3F138946-C5C1-4A11-BA69-F12F43F8A94B}" type="datetime1">
               <a:rPr lang="en-US" smtClean="0"/>
-              <a:t>9/13/2018</a:t>
+              <a:t>9/17/2018</a:t>
             </a:fld>
             <a:endParaRPr lang="en-US" dirty="0"/>
           </a:p>
@@ -4272,35 +4272,55 @@
             <a:pPr lvl="1"/>
             <a:r>
               <a:rPr lang="en-US" dirty="0"/>
-              <a:t>3” (name)</a:t>
+              <a:t>3” (name) Ex. </a:t>
+            </a:r>
+            <a:r>
+              <a:rPr lang="en-US" b="1" dirty="0"/>
+              <a:t>Mr. Vertucci</a:t>
             </a:r>
           </a:p>
           <a:p>
             <a:pPr lvl="1"/>
             <a:r>
               <a:rPr lang="en-US" dirty="0"/>
-              <a:t>3” (class name)</a:t>
+              <a:t>3” (class name) Ex. </a:t>
+            </a:r>
+            <a:r>
+              <a:rPr lang="en-US" b="1" dirty="0"/>
+              <a:t>DDP</a:t>
             </a:r>
           </a:p>
           <a:p>
             <a:pPr lvl="1"/>
             <a:r>
               <a:rPr lang="en-US" dirty="0"/>
-              <a:t>3” (Drawing #)</a:t>
+              <a:t>3” (Drawing #) Ex. </a:t>
+            </a:r>
+            <a:r>
+              <a:rPr lang="en-US" b="1" dirty="0"/>
+              <a:t>Drawing #1</a:t>
             </a:r>
           </a:p>
           <a:p>
             <a:pPr lvl="1"/>
             <a:r>
               <a:rPr lang="en-US" dirty="0"/>
-              <a:t>1” (Date)</a:t>
+              <a:t>1” (Date) Ex. </a:t>
+            </a:r>
+            <a:r>
+              <a:rPr lang="en-US" b="1" dirty="0"/>
+              <a:t>9/17/18</a:t>
             </a:r>
           </a:p>
           <a:p>
             <a:pPr lvl="1"/>
             <a:r>
               <a:rPr lang="en-US" dirty="0"/>
-              <a:t>Remaining space (V#)</a:t>
+              <a:t>Remaining space (V#) Ex. </a:t>
+            </a:r>
+            <a:r>
+              <a:rPr lang="en-US" b="1" dirty="0"/>
+              <a:t>V1</a:t>
             </a:r>
           </a:p>
           <a:p>
